--- a/PowerShell/Day6/PowerShell.pptx
+++ b/PowerShell/Day6/PowerShell.pptx
@@ -7,9 +7,12 @@
   <p:sldIdLst>
     <p:sldId id="256" r:id="rId2"/>
     <p:sldId id="278" r:id="rId3"/>
-    <p:sldId id="287" r:id="rId4"/>
-    <p:sldId id="282" r:id="rId5"/>
-    <p:sldId id="267" r:id="rId6"/>
+    <p:sldId id="289" r:id="rId4"/>
+    <p:sldId id="288" r:id="rId5"/>
+    <p:sldId id="290" r:id="rId6"/>
+    <p:sldId id="287" r:id="rId7"/>
+    <p:sldId id="282" r:id="rId8"/>
+    <p:sldId id="267" r:id="rId9"/>
   </p:sldIdLst>
   <p:sldSz cx="12192000" cy="6858000"/>
   <p:notesSz cx="6858000" cy="9144000"/>
@@ -247,7 +250,7 @@
           <a:p>
             <a:fld id="{AFB8E898-F050-4571-96C6-C6DFBE4F6A98}" type="datetimeFigureOut">
               <a:rPr lang="en-GB" smtClean="0"/>
-              <a:t>30/11/2024</a:t>
+              <a:t>02/12/2024</a:t>
             </a:fld>
             <a:endParaRPr lang="en-GB"/>
           </a:p>
@@ -417,7 +420,7 @@
           <a:p>
             <a:fld id="{AFB8E898-F050-4571-96C6-C6DFBE4F6A98}" type="datetimeFigureOut">
               <a:rPr lang="en-GB" smtClean="0"/>
-              <a:t>30/11/2024</a:t>
+              <a:t>02/12/2024</a:t>
             </a:fld>
             <a:endParaRPr lang="en-GB"/>
           </a:p>
@@ -597,7 +600,7 @@
           <a:p>
             <a:fld id="{AFB8E898-F050-4571-96C6-C6DFBE4F6A98}" type="datetimeFigureOut">
               <a:rPr lang="en-GB" smtClean="0"/>
-              <a:t>30/11/2024</a:t>
+              <a:t>02/12/2024</a:t>
             </a:fld>
             <a:endParaRPr lang="en-GB"/>
           </a:p>
@@ -767,7 +770,7 @@
           <a:p>
             <a:fld id="{AFB8E898-F050-4571-96C6-C6DFBE4F6A98}" type="datetimeFigureOut">
               <a:rPr lang="en-GB" smtClean="0"/>
-              <a:t>30/11/2024</a:t>
+              <a:t>02/12/2024</a:t>
             </a:fld>
             <a:endParaRPr lang="en-GB"/>
           </a:p>
@@ -1013,7 +1016,7 @@
           <a:p>
             <a:fld id="{AFB8E898-F050-4571-96C6-C6DFBE4F6A98}" type="datetimeFigureOut">
               <a:rPr lang="en-GB" smtClean="0"/>
-              <a:t>30/11/2024</a:t>
+              <a:t>02/12/2024</a:t>
             </a:fld>
             <a:endParaRPr lang="en-GB"/>
           </a:p>
@@ -1245,7 +1248,7 @@
           <a:p>
             <a:fld id="{AFB8E898-F050-4571-96C6-C6DFBE4F6A98}" type="datetimeFigureOut">
               <a:rPr lang="en-GB" smtClean="0"/>
-              <a:t>30/11/2024</a:t>
+              <a:t>02/12/2024</a:t>
             </a:fld>
             <a:endParaRPr lang="en-GB"/>
           </a:p>
@@ -1612,7 +1615,7 @@
           <a:p>
             <a:fld id="{AFB8E898-F050-4571-96C6-C6DFBE4F6A98}" type="datetimeFigureOut">
               <a:rPr lang="en-GB" smtClean="0"/>
-              <a:t>30/11/2024</a:t>
+              <a:t>02/12/2024</a:t>
             </a:fld>
             <a:endParaRPr lang="en-GB"/>
           </a:p>
@@ -1730,7 +1733,7 @@
           <a:p>
             <a:fld id="{AFB8E898-F050-4571-96C6-C6DFBE4F6A98}" type="datetimeFigureOut">
               <a:rPr lang="en-GB" smtClean="0"/>
-              <a:t>30/11/2024</a:t>
+              <a:t>02/12/2024</a:t>
             </a:fld>
             <a:endParaRPr lang="en-GB"/>
           </a:p>
@@ -1825,7 +1828,7 @@
           <a:p>
             <a:fld id="{AFB8E898-F050-4571-96C6-C6DFBE4F6A98}" type="datetimeFigureOut">
               <a:rPr lang="en-GB" smtClean="0"/>
-              <a:t>30/11/2024</a:t>
+              <a:t>02/12/2024</a:t>
             </a:fld>
             <a:endParaRPr lang="en-GB"/>
           </a:p>
@@ -2102,7 +2105,7 @@
           <a:p>
             <a:fld id="{AFB8E898-F050-4571-96C6-C6DFBE4F6A98}" type="datetimeFigureOut">
               <a:rPr lang="en-GB" smtClean="0"/>
-              <a:t>30/11/2024</a:t>
+              <a:t>02/12/2024</a:t>
             </a:fld>
             <a:endParaRPr lang="en-GB"/>
           </a:p>
@@ -2355,7 +2358,7 @@
           <a:p>
             <a:fld id="{AFB8E898-F050-4571-96C6-C6DFBE4F6A98}" type="datetimeFigureOut">
               <a:rPr lang="en-GB" smtClean="0"/>
-              <a:t>30/11/2024</a:t>
+              <a:t>02/12/2024</a:t>
             </a:fld>
             <a:endParaRPr lang="en-GB"/>
           </a:p>
@@ -2568,7 +2571,7 @@
           <a:p>
             <a:fld id="{AFB8E898-F050-4571-96C6-C6DFBE4F6A98}" type="datetimeFigureOut">
               <a:rPr lang="en-GB" smtClean="0"/>
-              <a:t>30/11/2024</a:t>
+              <a:t>02/12/2024</a:t>
             </a:fld>
             <a:endParaRPr lang="en-GB"/>
           </a:p>
@@ -3154,8 +3157,8 @@
           <a:lstStyle/>
           <a:p>
             <a:r>
-              <a:rPr lang="en-GB" dirty="0"/>
-              <a:t>What are Variables?</a:t>
+              <a:rPr lang="en-GB" dirty="0" smtClean="0"/>
+              <a:t>Limitations of Pipeline</a:t>
             </a:r>
             <a:endParaRPr lang="en-GB" b="1" dirty="0"/>
           </a:p>
@@ -3183,6 +3186,66 @@
           </a:bodyPr>
           <a:lstStyle/>
           <a:p>
+            <a:pPr marL="0" indent="0" eaLnBrk="0" fontAlgn="base" hangingPunct="0">
+              <a:lnSpc>
+                <a:spcPct val="100000"/>
+              </a:lnSpc>
+              <a:spcBef>
+                <a:spcPct val="0"/>
+              </a:spcBef>
+              <a:spcAft>
+                <a:spcPct val="0"/>
+              </a:spcAft>
+              <a:buNone/>
+            </a:pPr>
+            <a:r>
+              <a:rPr lang="en-US" sz="2400" dirty="0"/>
+              <a:t>Basic Syntax of the Pipeline:</a:t>
+            </a:r>
+          </a:p>
+          <a:p>
+            <a:pPr marL="914400" lvl="2" indent="0" eaLnBrk="0" fontAlgn="base" hangingPunct="0">
+              <a:lnSpc>
+                <a:spcPct val="100000"/>
+              </a:lnSpc>
+              <a:spcBef>
+                <a:spcPct val="0"/>
+              </a:spcBef>
+              <a:spcAft>
+                <a:spcPct val="0"/>
+              </a:spcAft>
+              <a:buNone/>
+            </a:pPr>
+            <a:r>
+              <a:rPr lang="en-US" b="1" dirty="0"/>
+              <a:t>&lt;cmdlet1&gt; | &lt;cmdlet2&gt; | &lt;cmdlet3&gt; ...</a:t>
+            </a:r>
+          </a:p>
+          <a:p>
+            <a:endParaRPr lang="en-US" sz="1800" dirty="0" smtClean="0"/>
+          </a:p>
+          <a:p>
+            <a:endParaRPr lang="en-US" sz="1800" dirty="0" smtClean="0"/>
+          </a:p>
+          <a:p>
+            <a:r>
+              <a:rPr lang="en-US" sz="1800" b="1" dirty="0" smtClean="0"/>
+              <a:t>Primary </a:t>
+            </a:r>
+            <a:r>
+              <a:rPr lang="en-US" sz="1800" b="1" dirty="0"/>
+              <a:t>limitation</a:t>
+            </a:r>
+            <a:r>
+              <a:rPr lang="en-US" sz="1800" dirty="0"/>
+              <a:t> of the pipeline is that it only flows in one direction (from left to right</a:t>
+            </a:r>
+            <a:r>
+              <a:rPr lang="en-US" sz="1800" dirty="0" smtClean="0"/>
+              <a:t>)</a:t>
+            </a:r>
+          </a:p>
+          <a:p>
             <a:pPr eaLnBrk="0" fontAlgn="base" hangingPunct="0">
               <a:lnSpc>
                 <a:spcPct val="100000"/>
@@ -3195,14 +3258,13 @@
               </a:spcAft>
             </a:pPr>
             <a:r>
+              <a:rPr lang="en-US" sz="1800" dirty="0" smtClean="0"/>
+              <a:t>Once </a:t>
+            </a:r>
+            <a:r>
               <a:rPr lang="en-US" sz="1800" dirty="0"/>
-              <a:t>Containers for storing </a:t>
-            </a:r>
-            <a:r>
-              <a:rPr lang="en-US" sz="1800" dirty="0" smtClean="0"/>
-              <a:t>data</a:t>
-            </a:r>
-            <a:endParaRPr lang="en-US" sz="1800" dirty="0"/>
+              <a:t>data is passed from one cmdlet to the next, it cannot easily be sent back or manipulated earlier in the pipeline</a:t>
+            </a:r>
           </a:p>
           <a:p>
             <a:pPr eaLnBrk="0" fontAlgn="base" hangingPunct="0">
@@ -3217,210 +3279,21 @@
               </a:spcAft>
             </a:pPr>
             <a:r>
+              <a:rPr lang="en-US" sz="1800" dirty="0"/>
+              <a:t>N</a:t>
+            </a:r>
+            <a:r>
               <a:rPr lang="en-US" sz="1800" dirty="0" smtClean="0"/>
-              <a:t>Variables </a:t>
+              <a:t>ot easy </a:t>
             </a:r>
             <a:r>
               <a:rPr lang="en-US" sz="1800" dirty="0"/>
-              <a:t>can hold different types of data (strings, integers, arrays, etc.). t</a:t>
+              <a:t>to perform complex or repetitive operations without storing the data </a:t>
             </a:r>
             <a:r>
               <a:rPr lang="en-US" sz="1800" dirty="0" smtClean="0"/>
-              <a:t>hese can </a:t>
-            </a:r>
-            <a:r>
-              <a:rPr lang="en-US" sz="1800" dirty="0"/>
-              <a:t>be </a:t>
-            </a:r>
-            <a:r>
-              <a:rPr lang="en-US" sz="1800" dirty="0" smtClean="0"/>
-              <a:t>reused</a:t>
-            </a:r>
-          </a:p>
-          <a:p>
-            <a:pPr eaLnBrk="0" fontAlgn="base" hangingPunct="0">
-              <a:lnSpc>
-                <a:spcPct val="100000"/>
-              </a:lnSpc>
-              <a:spcBef>
-                <a:spcPct val="0"/>
-              </a:spcBef>
-              <a:spcAft>
-                <a:spcPct val="0"/>
-              </a:spcAft>
-            </a:pPr>
-            <a:r>
-              <a:rPr lang="en-US" sz="1800" dirty="0"/>
-              <a:t>Simplify code, improve readability, and facilitate automation</a:t>
-            </a:r>
-            <a:endParaRPr lang="en-US" sz="1800" dirty="0" smtClean="0"/>
-          </a:p>
-          <a:p>
-            <a:pPr eaLnBrk="0" fontAlgn="base" hangingPunct="0">
-              <a:lnSpc>
-                <a:spcPct val="100000"/>
-              </a:lnSpc>
-              <a:spcBef>
-                <a:spcPct val="0"/>
-              </a:spcBef>
-              <a:spcAft>
-                <a:spcPct val="0"/>
-              </a:spcAft>
-            </a:pPr>
-            <a:r>
-              <a:rPr lang="en-US" sz="1800" dirty="0"/>
-              <a:t>Variables start with $ (e.g., $</a:t>
-            </a:r>
-            <a:r>
-              <a:rPr lang="en-US" sz="1800" dirty="0" err="1"/>
-              <a:t>myVar</a:t>
-            </a:r>
-            <a:r>
-              <a:rPr lang="en-US" sz="1800" dirty="0" smtClean="0"/>
-              <a:t>)</a:t>
-            </a:r>
-          </a:p>
-          <a:p>
-            <a:pPr eaLnBrk="0" fontAlgn="base" hangingPunct="0">
-              <a:lnSpc>
-                <a:spcPct val="100000"/>
-              </a:lnSpc>
-              <a:spcBef>
-                <a:spcPct val="0"/>
-              </a:spcBef>
-              <a:spcAft>
-                <a:spcPct val="0"/>
-              </a:spcAft>
-            </a:pPr>
-            <a:endParaRPr lang="en-US" sz="1800" b="1" dirty="0"/>
-          </a:p>
-          <a:p>
-            <a:pPr marL="0" indent="0" eaLnBrk="0" fontAlgn="base" hangingPunct="0">
-              <a:lnSpc>
-                <a:spcPct val="100000"/>
-              </a:lnSpc>
-              <a:spcBef>
-                <a:spcPct val="0"/>
-              </a:spcBef>
-              <a:spcAft>
-                <a:spcPct val="0"/>
-              </a:spcAft>
-              <a:buNone/>
-            </a:pPr>
-            <a:r>
-              <a:rPr lang="en-GB" sz="1800" dirty="0"/>
-              <a:t>Basic </a:t>
-            </a:r>
-            <a:r>
-              <a:rPr lang="en-GB" sz="1800" dirty="0" smtClean="0"/>
-              <a:t>Syntax:</a:t>
-            </a:r>
-          </a:p>
-          <a:p>
-            <a:pPr marL="0" indent="0" eaLnBrk="0" fontAlgn="base" hangingPunct="0">
-              <a:lnSpc>
-                <a:spcPct val="100000"/>
-              </a:lnSpc>
-              <a:spcBef>
-                <a:spcPct val="0"/>
-              </a:spcBef>
-              <a:spcAft>
-                <a:spcPct val="0"/>
-              </a:spcAft>
-              <a:buNone/>
-            </a:pPr>
-            <a:r>
-              <a:rPr lang="en-US" sz="1800" b="1" dirty="0"/>
-              <a:t>	</a:t>
-            </a:r>
-            <a:r>
-              <a:rPr lang="en-GB" sz="2400" b="1" dirty="0"/>
-              <a:t>$</a:t>
-            </a:r>
-            <a:r>
-              <a:rPr lang="en-GB" sz="2400" b="1" dirty="0" err="1"/>
-              <a:t>variableName</a:t>
-            </a:r>
-            <a:r>
-              <a:rPr lang="en-GB" sz="2400" b="1" dirty="0"/>
-              <a:t> = </a:t>
-            </a:r>
-            <a:r>
-              <a:rPr lang="en-GB" sz="2400" b="1" dirty="0" smtClean="0"/>
-              <a:t>value</a:t>
-            </a:r>
-          </a:p>
-          <a:p>
-            <a:pPr marL="0" indent="0" eaLnBrk="0" fontAlgn="base" hangingPunct="0">
-              <a:lnSpc>
-                <a:spcPct val="100000"/>
-              </a:lnSpc>
-              <a:spcBef>
-                <a:spcPct val="0"/>
-              </a:spcBef>
-              <a:spcAft>
-                <a:spcPct val="0"/>
-              </a:spcAft>
-              <a:buNone/>
-            </a:pPr>
-            <a:endParaRPr lang="en-GB" sz="2400" b="1" dirty="0" smtClean="0"/>
-          </a:p>
-          <a:p>
-            <a:pPr marL="0" indent="0" eaLnBrk="0" fontAlgn="base" hangingPunct="0">
-              <a:lnSpc>
-                <a:spcPct val="100000"/>
-              </a:lnSpc>
-              <a:spcBef>
-                <a:spcPct val="0"/>
-              </a:spcBef>
-              <a:spcAft>
-                <a:spcPct val="0"/>
-              </a:spcAft>
-              <a:buNone/>
-            </a:pPr>
-            <a:r>
-              <a:rPr lang="en-GB" sz="2400" dirty="0"/>
-              <a:t>Example: </a:t>
-            </a:r>
-            <a:endParaRPr lang="en-GB" sz="2400" dirty="0" smtClean="0"/>
-          </a:p>
-          <a:p>
-            <a:pPr marL="0" indent="0" eaLnBrk="0" fontAlgn="base" hangingPunct="0">
-              <a:lnSpc>
-                <a:spcPct val="100000"/>
-              </a:lnSpc>
-              <a:spcBef>
-                <a:spcPct val="0"/>
-              </a:spcBef>
-              <a:spcAft>
-                <a:spcPct val="0"/>
-              </a:spcAft>
-              <a:buNone/>
-            </a:pPr>
-            <a:r>
-              <a:rPr lang="en-GB" sz="2400" dirty="0" smtClean="0"/>
-              <a:t>	$</a:t>
-            </a:r>
-            <a:r>
-              <a:rPr lang="en-GB" sz="2400" dirty="0"/>
-              <a:t>message = "Hello, PowerShell"</a:t>
-            </a:r>
-            <a:endParaRPr lang="en-GB" sz="2400" dirty="0" smtClean="0"/>
-          </a:p>
-          <a:p>
-            <a:pPr marL="0" indent="0" eaLnBrk="0" fontAlgn="base" hangingPunct="0">
-              <a:lnSpc>
-                <a:spcPct val="100000"/>
-              </a:lnSpc>
-              <a:spcBef>
-                <a:spcPct val="0"/>
-              </a:spcBef>
-              <a:spcAft>
-                <a:spcPct val="0"/>
-              </a:spcAft>
-              <a:buNone/>
-            </a:pPr>
-            <a:endParaRPr lang="en-US" sz="1800" b="1" dirty="0" smtClean="0"/>
+              <a:t>somewhere</a:t>
+            </a:r>
           </a:p>
         </p:txBody>
       </p:sp>
@@ -3607,7 +3480,7 @@
                                         <p:tgtEl>
                                           <p:spTgt spid="3">
                                             <p:txEl>
-                                              <p:pRg st="2" end="2"/>
+                                              <p:pRg st="4" end="4"/>
                                             </p:txEl>
                                           </p:spTgt>
                                         </p:tgtEl>
@@ -3656,7 +3529,7 @@
                                         <p:tgtEl>
                                           <p:spTgt spid="3">
                                             <p:txEl>
-                                              <p:pRg st="3" end="3"/>
+                                              <p:pRg st="5" end="5"/>
                                             </p:txEl>
                                           </p:spTgt>
                                         </p:tgtEl>
@@ -3705,154 +3578,7 @@
                                         <p:tgtEl>
                                           <p:spTgt spid="3">
                                             <p:txEl>
-                                              <p:pRg st="5" end="5"/>
-                                            </p:txEl>
-                                          </p:spTgt>
-                                        </p:tgtEl>
-                                        <p:attrNameLst>
-                                          <p:attrName>style.visibility</p:attrName>
-                                        </p:attrNameLst>
-                                      </p:cBhvr>
-                                      <p:to>
-                                        <p:strVal val="visible"/>
-                                      </p:to>
-                                    </p:set>
-                                  </p:childTnLst>
-                                </p:cTn>
-                              </p:par>
-                            </p:childTnLst>
-                          </p:cTn>
-                        </p:par>
-                      </p:childTnLst>
-                    </p:cTn>
-                  </p:par>
-                  <p:par>
-                    <p:cTn id="23" fill="hold">
-                      <p:stCondLst>
-                        <p:cond delay="indefinite"/>
-                      </p:stCondLst>
-                      <p:childTnLst>
-                        <p:par>
-                          <p:cTn id="24" fill="hold">
-                            <p:stCondLst>
-                              <p:cond delay="0"/>
-                            </p:stCondLst>
-                            <p:childTnLst>
-                              <p:par>
-                                <p:cTn id="25" presetID="1" presetClass="entr" presetSubtype="0" fill="hold" nodeType="clickEffect">
-                                  <p:stCondLst>
-                                    <p:cond delay="0"/>
-                                  </p:stCondLst>
-                                  <p:childTnLst>
-                                    <p:set>
-                                      <p:cBhvr>
-                                        <p:cTn id="26" dur="1" fill="hold">
-                                          <p:stCondLst>
-                                            <p:cond delay="0"/>
-                                          </p:stCondLst>
-                                        </p:cTn>
-                                        <p:tgtEl>
-                                          <p:spTgt spid="3">
-                                            <p:txEl>
                                               <p:pRg st="6" end="6"/>
-                                            </p:txEl>
-                                          </p:spTgt>
-                                        </p:tgtEl>
-                                        <p:attrNameLst>
-                                          <p:attrName>style.visibility</p:attrName>
-                                        </p:attrNameLst>
-                                      </p:cBhvr>
-                                      <p:to>
-                                        <p:strVal val="visible"/>
-                                      </p:to>
-                                    </p:set>
-                                  </p:childTnLst>
-                                </p:cTn>
-                              </p:par>
-                            </p:childTnLst>
-                          </p:cTn>
-                        </p:par>
-                      </p:childTnLst>
-                    </p:cTn>
-                  </p:par>
-                  <p:par>
-                    <p:cTn id="27" fill="hold">
-                      <p:stCondLst>
-                        <p:cond delay="indefinite"/>
-                      </p:stCondLst>
-                      <p:childTnLst>
-                        <p:par>
-                          <p:cTn id="28" fill="hold">
-                            <p:stCondLst>
-                              <p:cond delay="0"/>
-                            </p:stCondLst>
-                            <p:childTnLst>
-                              <p:par>
-                                <p:cTn id="29" presetID="1" presetClass="entr" presetSubtype="0" fill="hold" nodeType="clickEffect">
-                                  <p:stCondLst>
-                                    <p:cond delay="0"/>
-                                  </p:stCondLst>
-                                  <p:childTnLst>
-                                    <p:set>
-                                      <p:cBhvr>
-                                        <p:cTn id="30" dur="1" fill="hold">
-                                          <p:stCondLst>
-                                            <p:cond delay="0"/>
-                                          </p:stCondLst>
-                                        </p:cTn>
-                                        <p:tgtEl>
-                                          <p:spTgt spid="3">
-                                            <p:txEl>
-                                              <p:pRg st="8" end="8"/>
-                                            </p:txEl>
-                                          </p:spTgt>
-                                        </p:tgtEl>
-                                        <p:attrNameLst>
-                                          <p:attrName>style.visibility</p:attrName>
-                                        </p:attrNameLst>
-                                      </p:cBhvr>
-                                      <p:to>
-                                        <p:strVal val="visible"/>
-                                      </p:to>
-                                    </p:set>
-                                  </p:childTnLst>
-                                </p:cTn>
-                              </p:par>
-                            </p:childTnLst>
-                          </p:cTn>
-                        </p:par>
-                      </p:childTnLst>
-                    </p:cTn>
-                  </p:par>
-                  <p:par>
-                    <p:cTn id="31" fill="hold">
-                      <p:stCondLst>
-                        <p:cond delay="indefinite"/>
-                      </p:stCondLst>
-                      <p:childTnLst>
-                        <p:par>
-                          <p:cTn id="32" fill="hold">
-                            <p:stCondLst>
-                              <p:cond delay="0"/>
-                            </p:stCondLst>
-                            <p:childTnLst>
-                              <p:par>
-                                <p:cTn id="33" presetID="1" presetClass="entr" presetSubtype="0" fill="hold" nodeType="clickEffect">
-                                  <p:stCondLst>
-                                    <p:cond delay="0"/>
-                                  </p:stCondLst>
-                                  <p:childTnLst>
-                                    <p:set>
-                                      <p:cBhvr>
-                                        <p:cTn id="34" dur="1" fill="hold">
-                                          <p:stCondLst>
-                                            <p:cond delay="0"/>
-                                          </p:stCondLst>
-                                        </p:cTn>
-                                        <p:tgtEl>
-                                          <p:spTgt spid="3">
-                                            <p:txEl>
-                                              <p:pRg st="9" end="9"/>
                                             </p:txEl>
                                           </p:spTgt>
                                         </p:tgtEl>
@@ -3927,6 +3653,1620 @@
         </p:nvSpPr>
         <p:spPr>
           <a:xfrm>
+            <a:off x="838200" y="365126"/>
+            <a:ext cx="10515600" cy="1096122"/>
+          </a:xfrm>
+        </p:spPr>
+        <p:txBody>
+          <a:bodyPr>
+            <a:normAutofit/>
+          </a:bodyPr>
+          <a:lstStyle/>
+          <a:p>
+            <a:r>
+              <a:rPr lang="en-GB" dirty="0"/>
+              <a:t>What </a:t>
+            </a:r>
+            <a:r>
+              <a:rPr lang="en-GB" dirty="0" smtClean="0"/>
+              <a:t>are Variables?</a:t>
+            </a:r>
+            <a:endParaRPr lang="en-GB" b="1" dirty="0"/>
+          </a:p>
+        </p:txBody>
+      </p:sp>
+      <p:sp>
+        <p:nvSpPr>
+          <p:cNvPr id="3" name="Content Placeholder 2"/>
+          <p:cNvSpPr>
+            <a:spLocks noGrp="1"/>
+          </p:cNvSpPr>
+          <p:nvPr>
+            <p:ph idx="1"/>
+          </p:nvPr>
+        </p:nvSpPr>
+        <p:spPr>
+          <a:xfrm>
+            <a:off x="838200" y="1671287"/>
+            <a:ext cx="10515600" cy="4351338"/>
+          </a:xfrm>
+        </p:spPr>
+        <p:txBody>
+          <a:bodyPr>
+            <a:normAutofit fontScale="92500" lnSpcReduction="10000"/>
+          </a:bodyPr>
+          <a:lstStyle/>
+          <a:p>
+            <a:pPr eaLnBrk="0" fontAlgn="base" hangingPunct="0">
+              <a:lnSpc>
+                <a:spcPct val="100000"/>
+              </a:lnSpc>
+              <a:spcBef>
+                <a:spcPct val="0"/>
+              </a:spcBef>
+              <a:spcAft>
+                <a:spcPct val="0"/>
+              </a:spcAft>
+            </a:pPr>
+            <a:r>
+              <a:rPr lang="en-US" sz="1800" dirty="0" smtClean="0"/>
+              <a:t>Containers </a:t>
+            </a:r>
+            <a:r>
+              <a:rPr lang="en-US" sz="1800" dirty="0"/>
+              <a:t>to store data for later use in scripts</a:t>
+            </a:r>
+            <a:r>
+              <a:rPr lang="en-US" sz="1800" dirty="0" smtClean="0"/>
+              <a:t>.</a:t>
+            </a:r>
+          </a:p>
+          <a:p>
+            <a:pPr eaLnBrk="0" fontAlgn="base" hangingPunct="0">
+              <a:lnSpc>
+                <a:spcPct val="100000"/>
+              </a:lnSpc>
+              <a:spcBef>
+                <a:spcPct val="0"/>
+              </a:spcBef>
+              <a:spcAft>
+                <a:spcPct val="0"/>
+              </a:spcAft>
+            </a:pPr>
+            <a:r>
+              <a:rPr lang="en-US" sz="1800" dirty="0"/>
+              <a:t>Variables start with $ (e.g., $</a:t>
+            </a:r>
+            <a:r>
+              <a:rPr lang="en-US" sz="1800" dirty="0" err="1"/>
+              <a:t>myVar</a:t>
+            </a:r>
+            <a:r>
+              <a:rPr lang="en-US" sz="1800" dirty="0"/>
+              <a:t>)</a:t>
+            </a:r>
+            <a:endParaRPr lang="en-US" sz="1800" dirty="0"/>
+          </a:p>
+          <a:p>
+            <a:pPr eaLnBrk="0" fontAlgn="base" hangingPunct="0">
+              <a:lnSpc>
+                <a:spcPct val="100000"/>
+              </a:lnSpc>
+              <a:spcBef>
+                <a:spcPct val="0"/>
+              </a:spcBef>
+              <a:spcAft>
+                <a:spcPct val="0"/>
+              </a:spcAft>
+            </a:pPr>
+            <a:r>
+              <a:rPr lang="en-US" sz="1800" dirty="0" smtClean="0"/>
+              <a:t>Variables </a:t>
+            </a:r>
+            <a:r>
+              <a:rPr lang="en-US" sz="1800" dirty="0"/>
+              <a:t>can store different types of data such as:</a:t>
+            </a:r>
+          </a:p>
+          <a:p>
+            <a:pPr lvl="1" eaLnBrk="0" fontAlgn="base" hangingPunct="0">
+              <a:lnSpc>
+                <a:spcPct val="100000"/>
+              </a:lnSpc>
+              <a:spcBef>
+                <a:spcPct val="0"/>
+              </a:spcBef>
+              <a:spcAft>
+                <a:spcPct val="0"/>
+              </a:spcAft>
+            </a:pPr>
+            <a:r>
+              <a:rPr lang="en-US" sz="1400" dirty="0"/>
+              <a:t>Strings ($</a:t>
+            </a:r>
+            <a:r>
+              <a:rPr lang="en-US" sz="1400" dirty="0" err="1"/>
+              <a:t>myString</a:t>
+            </a:r>
+            <a:r>
+              <a:rPr lang="en-US" sz="1400" dirty="0"/>
+              <a:t> = "Hello"),</a:t>
+            </a:r>
+          </a:p>
+          <a:p>
+            <a:pPr lvl="1" eaLnBrk="0" fontAlgn="base" hangingPunct="0">
+              <a:lnSpc>
+                <a:spcPct val="100000"/>
+              </a:lnSpc>
+              <a:spcBef>
+                <a:spcPct val="0"/>
+              </a:spcBef>
+              <a:spcAft>
+                <a:spcPct val="0"/>
+              </a:spcAft>
+            </a:pPr>
+            <a:r>
+              <a:rPr lang="en-US" sz="1400" dirty="0"/>
+              <a:t>Integers ($</a:t>
+            </a:r>
+            <a:r>
+              <a:rPr lang="en-US" sz="1400" dirty="0" err="1"/>
+              <a:t>myInt</a:t>
+            </a:r>
+            <a:r>
+              <a:rPr lang="en-US" sz="1400" dirty="0"/>
+              <a:t> = 42),</a:t>
+            </a:r>
+          </a:p>
+          <a:p>
+            <a:pPr lvl="1" eaLnBrk="0" fontAlgn="base" hangingPunct="0">
+              <a:lnSpc>
+                <a:spcPct val="100000"/>
+              </a:lnSpc>
+              <a:spcBef>
+                <a:spcPct val="0"/>
+              </a:spcBef>
+              <a:spcAft>
+                <a:spcPct val="0"/>
+              </a:spcAft>
+            </a:pPr>
+            <a:r>
+              <a:rPr lang="en-US" sz="1400" dirty="0"/>
+              <a:t>Arrays ($</a:t>
+            </a:r>
+            <a:r>
+              <a:rPr lang="en-US" sz="1400" dirty="0" err="1"/>
+              <a:t>myArray</a:t>
+            </a:r>
+            <a:r>
+              <a:rPr lang="en-US" sz="1400" dirty="0"/>
+              <a:t> = @(1, 2, 3)),</a:t>
+            </a:r>
+          </a:p>
+          <a:p>
+            <a:pPr lvl="1" eaLnBrk="0" fontAlgn="base" hangingPunct="0">
+              <a:lnSpc>
+                <a:spcPct val="100000"/>
+              </a:lnSpc>
+              <a:spcBef>
+                <a:spcPct val="0"/>
+              </a:spcBef>
+              <a:spcAft>
+                <a:spcPct val="0"/>
+              </a:spcAft>
+            </a:pPr>
+            <a:r>
+              <a:rPr lang="en-US" sz="1400" dirty="0" err="1"/>
+              <a:t>Hashtables</a:t>
+            </a:r>
+            <a:r>
+              <a:rPr lang="en-US" sz="1400" dirty="0"/>
+              <a:t> ($</a:t>
+            </a:r>
+            <a:r>
+              <a:rPr lang="en-US" sz="1400" dirty="0" err="1"/>
+              <a:t>myHashtable</a:t>
+            </a:r>
+            <a:r>
+              <a:rPr lang="en-US" sz="1400" dirty="0"/>
+              <a:t> = @{ "key" = "value" })</a:t>
+            </a:r>
+            <a:endParaRPr lang="en-US" sz="1400" dirty="0" smtClean="0"/>
+          </a:p>
+          <a:p>
+            <a:pPr eaLnBrk="0" fontAlgn="base" hangingPunct="0">
+              <a:lnSpc>
+                <a:spcPct val="100000"/>
+              </a:lnSpc>
+              <a:spcBef>
+                <a:spcPct val="0"/>
+              </a:spcBef>
+              <a:spcAft>
+                <a:spcPct val="0"/>
+              </a:spcAft>
+            </a:pPr>
+            <a:endParaRPr lang="en-US" sz="1800" dirty="0" smtClean="0"/>
+          </a:p>
+          <a:p>
+            <a:pPr eaLnBrk="0" fontAlgn="base" hangingPunct="0">
+              <a:lnSpc>
+                <a:spcPct val="100000"/>
+              </a:lnSpc>
+              <a:spcBef>
+                <a:spcPct val="0"/>
+              </a:spcBef>
+              <a:spcAft>
+                <a:spcPct val="0"/>
+              </a:spcAft>
+            </a:pPr>
+            <a:endParaRPr lang="en-US" sz="1800" b="1" dirty="0"/>
+          </a:p>
+          <a:p>
+            <a:pPr marL="0" indent="0" eaLnBrk="0" fontAlgn="base" hangingPunct="0">
+              <a:lnSpc>
+                <a:spcPct val="100000"/>
+              </a:lnSpc>
+              <a:spcBef>
+                <a:spcPct val="0"/>
+              </a:spcBef>
+              <a:spcAft>
+                <a:spcPct val="0"/>
+              </a:spcAft>
+              <a:buNone/>
+            </a:pPr>
+            <a:r>
+              <a:rPr lang="en-GB" sz="1800" dirty="0"/>
+              <a:t>Basic </a:t>
+            </a:r>
+            <a:r>
+              <a:rPr lang="en-GB" sz="1800" dirty="0" smtClean="0"/>
+              <a:t>Syntax:</a:t>
+            </a:r>
+          </a:p>
+          <a:p>
+            <a:pPr marL="0" indent="0" eaLnBrk="0" fontAlgn="base" hangingPunct="0">
+              <a:lnSpc>
+                <a:spcPct val="100000"/>
+              </a:lnSpc>
+              <a:spcBef>
+                <a:spcPct val="0"/>
+              </a:spcBef>
+              <a:spcAft>
+                <a:spcPct val="0"/>
+              </a:spcAft>
+              <a:buNone/>
+            </a:pPr>
+            <a:r>
+              <a:rPr lang="en-US" sz="1800" b="1" dirty="0"/>
+              <a:t>	</a:t>
+            </a:r>
+            <a:r>
+              <a:rPr lang="en-GB" sz="2400" b="1" dirty="0"/>
+              <a:t>$</a:t>
+            </a:r>
+            <a:r>
+              <a:rPr lang="en-GB" sz="2400" b="1" dirty="0" err="1"/>
+              <a:t>variableName</a:t>
+            </a:r>
+            <a:r>
+              <a:rPr lang="en-GB" sz="2400" b="1" dirty="0"/>
+              <a:t> = </a:t>
+            </a:r>
+            <a:r>
+              <a:rPr lang="en-GB" sz="2400" b="1" dirty="0" smtClean="0"/>
+              <a:t>value</a:t>
+            </a:r>
+          </a:p>
+          <a:p>
+            <a:pPr marL="0" indent="0" eaLnBrk="0" fontAlgn="base" hangingPunct="0">
+              <a:lnSpc>
+                <a:spcPct val="100000"/>
+              </a:lnSpc>
+              <a:spcBef>
+                <a:spcPct val="0"/>
+              </a:spcBef>
+              <a:spcAft>
+                <a:spcPct val="0"/>
+              </a:spcAft>
+              <a:buNone/>
+            </a:pPr>
+            <a:endParaRPr lang="en-GB" sz="2400" b="1" dirty="0" smtClean="0"/>
+          </a:p>
+          <a:p>
+            <a:pPr marL="0" indent="0" eaLnBrk="0" fontAlgn="base" hangingPunct="0">
+              <a:lnSpc>
+                <a:spcPct val="100000"/>
+              </a:lnSpc>
+              <a:spcBef>
+                <a:spcPct val="0"/>
+              </a:spcBef>
+              <a:spcAft>
+                <a:spcPct val="0"/>
+              </a:spcAft>
+              <a:buNone/>
+            </a:pPr>
+            <a:r>
+              <a:rPr lang="en-GB" sz="2400" dirty="0"/>
+              <a:t>Example: </a:t>
+            </a:r>
+            <a:endParaRPr lang="en-GB" sz="2400" dirty="0" smtClean="0"/>
+          </a:p>
+          <a:p>
+            <a:pPr marL="0" indent="0" eaLnBrk="0" fontAlgn="base" hangingPunct="0">
+              <a:lnSpc>
+                <a:spcPct val="100000"/>
+              </a:lnSpc>
+              <a:spcBef>
+                <a:spcPct val="0"/>
+              </a:spcBef>
+              <a:spcAft>
+                <a:spcPct val="0"/>
+              </a:spcAft>
+              <a:buNone/>
+            </a:pPr>
+            <a:r>
+              <a:rPr lang="en-GB" sz="2400" dirty="0" smtClean="0"/>
+              <a:t>	$</a:t>
+            </a:r>
+            <a:r>
+              <a:rPr lang="en-GB" sz="2400" dirty="0"/>
+              <a:t>message = "Hello, </a:t>
+            </a:r>
+            <a:r>
+              <a:rPr lang="en-GB" sz="2400" dirty="0" smtClean="0"/>
+              <a:t>PowerShell“</a:t>
+            </a:r>
+          </a:p>
+          <a:p>
+            <a:pPr marL="0" indent="0" eaLnBrk="0" fontAlgn="base" hangingPunct="0">
+              <a:lnSpc>
+                <a:spcPct val="100000"/>
+              </a:lnSpc>
+              <a:spcBef>
+                <a:spcPct val="0"/>
+              </a:spcBef>
+              <a:spcAft>
+                <a:spcPct val="0"/>
+              </a:spcAft>
+              <a:buNone/>
+            </a:pPr>
+            <a:endParaRPr lang="en-US" sz="2400" dirty="0"/>
+          </a:p>
+          <a:p>
+            <a:pPr marL="0" indent="0" eaLnBrk="0" fontAlgn="base" hangingPunct="0">
+              <a:lnSpc>
+                <a:spcPct val="100000"/>
+              </a:lnSpc>
+              <a:spcBef>
+                <a:spcPct val="0"/>
+              </a:spcBef>
+              <a:spcAft>
+                <a:spcPct val="0"/>
+              </a:spcAft>
+              <a:buNone/>
+            </a:pPr>
+            <a:r>
+              <a:rPr lang="en-US" sz="2400" b="1" dirty="0" smtClean="0"/>
+              <a:t>Note:</a:t>
+            </a:r>
+            <a:r>
+              <a:rPr lang="en-US" sz="2400" dirty="0" smtClean="0"/>
+              <a:t> Variables store </a:t>
+            </a:r>
+            <a:r>
+              <a:rPr lang="en-US" sz="2400" dirty="0"/>
+              <a:t>not just simple data types (like numbers or strings) but also </a:t>
+            </a:r>
+            <a:r>
+              <a:rPr lang="en-US" sz="2400" b="1" dirty="0"/>
+              <a:t>objects</a:t>
+            </a:r>
+            <a:endParaRPr lang="en-GB" sz="2400" dirty="0" smtClean="0"/>
+          </a:p>
+          <a:p>
+            <a:pPr marL="0" indent="0" eaLnBrk="0" fontAlgn="base" hangingPunct="0">
+              <a:lnSpc>
+                <a:spcPct val="100000"/>
+              </a:lnSpc>
+              <a:spcBef>
+                <a:spcPct val="0"/>
+              </a:spcBef>
+              <a:spcAft>
+                <a:spcPct val="0"/>
+              </a:spcAft>
+              <a:buNone/>
+            </a:pPr>
+            <a:endParaRPr lang="en-US" sz="1800" b="1" dirty="0" smtClean="0"/>
+          </a:p>
+        </p:txBody>
+      </p:sp>
+      <p:cxnSp>
+        <p:nvCxnSpPr>
+          <p:cNvPr id="4" name="Straight Connector 3"/>
+          <p:cNvCxnSpPr/>
+          <p:nvPr/>
+        </p:nvCxnSpPr>
+        <p:spPr>
+          <a:xfrm>
+            <a:off x="838200" y="1566266"/>
+            <a:ext cx="10422924" cy="1"/>
+          </a:xfrm>
+          <a:prstGeom prst="line">
+            <a:avLst/>
+          </a:prstGeom>
+          <a:ln w="38100"/>
+        </p:spPr>
+        <p:style>
+          <a:lnRef idx="1">
+            <a:schemeClr val="accent1"/>
+          </a:lnRef>
+          <a:fillRef idx="0">
+            <a:schemeClr val="accent1"/>
+          </a:fillRef>
+          <a:effectRef idx="0">
+            <a:schemeClr val="accent1"/>
+          </a:effectRef>
+          <a:fontRef idx="minor">
+            <a:schemeClr val="tx1"/>
+          </a:fontRef>
+        </p:style>
+      </p:cxnSp>
+    </p:spTree>
+    <p:extLst>
+      <p:ext uri="{BB962C8B-B14F-4D97-AF65-F5344CB8AC3E}">
+        <p14:creationId xmlns:p14="http://schemas.microsoft.com/office/powerpoint/2010/main" val="190957085"/>
+      </p:ext>
+    </p:extLst>
+  </p:cSld>
+  <p:clrMapOvr>
+    <a:masterClrMapping/>
+  </p:clrMapOvr>
+  <mc:AlternateContent xmlns:mc="http://schemas.openxmlformats.org/markup-compatibility/2006" xmlns:p14="http://schemas.microsoft.com/office/powerpoint/2010/main">
+    <mc:Choice Requires="p14">
+      <p:transition p14:dur="0"/>
+    </mc:Choice>
+    <mc:Fallback xmlns="">
+      <p:transition/>
+    </mc:Fallback>
+  </mc:AlternateContent>
+  <p:timing>
+    <p:tnLst>
+      <p:par>
+        <p:cTn id="1" dur="indefinite" restart="never" nodeType="tmRoot">
+          <p:childTnLst>
+            <p:seq concurrent="1" nextAc="seek">
+              <p:cTn id="2" dur="indefinite" nodeType="mainSeq">
+                <p:childTnLst>
+                  <p:par>
+                    <p:cTn id="3" fill="hold">
+                      <p:stCondLst>
+                        <p:cond delay="indefinite"/>
+                      </p:stCondLst>
+                      <p:childTnLst>
+                        <p:par>
+                          <p:cTn id="4" fill="hold">
+                            <p:stCondLst>
+                              <p:cond delay="0"/>
+                            </p:stCondLst>
+                            <p:childTnLst>
+                              <p:par>
+                                <p:cTn id="5" presetID="1" presetClass="entr" presetSubtype="0" fill="hold" nodeType="clickEffect">
+                                  <p:stCondLst>
+                                    <p:cond delay="0"/>
+                                  </p:stCondLst>
+                                  <p:childTnLst>
+                                    <p:set>
+                                      <p:cBhvr>
+                                        <p:cTn id="6" dur="1" fill="hold">
+                                          <p:stCondLst>
+                                            <p:cond delay="0"/>
+                                          </p:stCondLst>
+                                        </p:cTn>
+                                        <p:tgtEl>
+                                          <p:spTgt spid="3">
+                                            <p:txEl>
+                                              <p:pRg st="0" end="0"/>
+                                            </p:txEl>
+                                          </p:spTgt>
+                                        </p:tgtEl>
+                                        <p:attrNameLst>
+                                          <p:attrName>style.visibility</p:attrName>
+                                        </p:attrNameLst>
+                                      </p:cBhvr>
+                                      <p:to>
+                                        <p:strVal val="visible"/>
+                                      </p:to>
+                                    </p:set>
+                                  </p:childTnLst>
+                                </p:cTn>
+                              </p:par>
+                            </p:childTnLst>
+                          </p:cTn>
+                        </p:par>
+                      </p:childTnLst>
+                    </p:cTn>
+                  </p:par>
+                  <p:par>
+                    <p:cTn id="7" fill="hold">
+                      <p:stCondLst>
+                        <p:cond delay="indefinite"/>
+                      </p:stCondLst>
+                      <p:childTnLst>
+                        <p:par>
+                          <p:cTn id="8" fill="hold">
+                            <p:stCondLst>
+                              <p:cond delay="0"/>
+                            </p:stCondLst>
+                            <p:childTnLst>
+                              <p:par>
+                                <p:cTn id="9" presetID="1" presetClass="entr" presetSubtype="0" fill="hold" nodeType="clickEffect">
+                                  <p:stCondLst>
+                                    <p:cond delay="0"/>
+                                  </p:stCondLst>
+                                  <p:childTnLst>
+                                    <p:set>
+                                      <p:cBhvr>
+                                        <p:cTn id="10" dur="1" fill="hold">
+                                          <p:stCondLst>
+                                            <p:cond delay="0"/>
+                                          </p:stCondLst>
+                                        </p:cTn>
+                                        <p:tgtEl>
+                                          <p:spTgt spid="3">
+                                            <p:txEl>
+                                              <p:pRg st="1" end="1"/>
+                                            </p:txEl>
+                                          </p:spTgt>
+                                        </p:tgtEl>
+                                        <p:attrNameLst>
+                                          <p:attrName>style.visibility</p:attrName>
+                                        </p:attrNameLst>
+                                      </p:cBhvr>
+                                      <p:to>
+                                        <p:strVal val="visible"/>
+                                      </p:to>
+                                    </p:set>
+                                  </p:childTnLst>
+                                </p:cTn>
+                              </p:par>
+                            </p:childTnLst>
+                          </p:cTn>
+                        </p:par>
+                      </p:childTnLst>
+                    </p:cTn>
+                  </p:par>
+                  <p:par>
+                    <p:cTn id="11" fill="hold">
+                      <p:stCondLst>
+                        <p:cond delay="indefinite"/>
+                      </p:stCondLst>
+                      <p:childTnLst>
+                        <p:par>
+                          <p:cTn id="12" fill="hold">
+                            <p:stCondLst>
+                              <p:cond delay="0"/>
+                            </p:stCondLst>
+                            <p:childTnLst>
+                              <p:par>
+                                <p:cTn id="13" presetID="1" presetClass="entr" presetSubtype="0" fill="hold" nodeType="clickEffect">
+                                  <p:stCondLst>
+                                    <p:cond delay="0"/>
+                                  </p:stCondLst>
+                                  <p:childTnLst>
+                                    <p:set>
+                                      <p:cBhvr>
+                                        <p:cTn id="14" dur="1" fill="hold">
+                                          <p:stCondLst>
+                                            <p:cond delay="0"/>
+                                          </p:stCondLst>
+                                        </p:cTn>
+                                        <p:tgtEl>
+                                          <p:spTgt spid="3">
+                                            <p:txEl>
+                                              <p:pRg st="2" end="2"/>
+                                            </p:txEl>
+                                          </p:spTgt>
+                                        </p:tgtEl>
+                                        <p:attrNameLst>
+                                          <p:attrName>style.visibility</p:attrName>
+                                        </p:attrNameLst>
+                                      </p:cBhvr>
+                                      <p:to>
+                                        <p:strVal val="visible"/>
+                                      </p:to>
+                                    </p:set>
+                                  </p:childTnLst>
+                                </p:cTn>
+                              </p:par>
+                              <p:par>
+                                <p:cTn id="15" presetID="1" presetClass="entr" presetSubtype="0" fill="hold" nodeType="withEffect">
+                                  <p:stCondLst>
+                                    <p:cond delay="0"/>
+                                  </p:stCondLst>
+                                  <p:childTnLst>
+                                    <p:set>
+                                      <p:cBhvr>
+                                        <p:cTn id="16" dur="1" fill="hold">
+                                          <p:stCondLst>
+                                            <p:cond delay="0"/>
+                                          </p:stCondLst>
+                                        </p:cTn>
+                                        <p:tgtEl>
+                                          <p:spTgt spid="3">
+                                            <p:txEl>
+                                              <p:pRg st="3" end="3"/>
+                                            </p:txEl>
+                                          </p:spTgt>
+                                        </p:tgtEl>
+                                        <p:attrNameLst>
+                                          <p:attrName>style.visibility</p:attrName>
+                                        </p:attrNameLst>
+                                      </p:cBhvr>
+                                      <p:to>
+                                        <p:strVal val="visible"/>
+                                      </p:to>
+                                    </p:set>
+                                  </p:childTnLst>
+                                </p:cTn>
+                              </p:par>
+                              <p:par>
+                                <p:cTn id="17" presetID="1" presetClass="entr" presetSubtype="0" fill="hold" nodeType="withEffect">
+                                  <p:stCondLst>
+                                    <p:cond delay="0"/>
+                                  </p:stCondLst>
+                                  <p:childTnLst>
+                                    <p:set>
+                                      <p:cBhvr>
+                                        <p:cTn id="18" dur="1" fill="hold">
+                                          <p:stCondLst>
+                                            <p:cond delay="0"/>
+                                          </p:stCondLst>
+                                        </p:cTn>
+                                        <p:tgtEl>
+                                          <p:spTgt spid="3">
+                                            <p:txEl>
+                                              <p:pRg st="4" end="4"/>
+                                            </p:txEl>
+                                          </p:spTgt>
+                                        </p:tgtEl>
+                                        <p:attrNameLst>
+                                          <p:attrName>style.visibility</p:attrName>
+                                        </p:attrNameLst>
+                                      </p:cBhvr>
+                                      <p:to>
+                                        <p:strVal val="visible"/>
+                                      </p:to>
+                                    </p:set>
+                                  </p:childTnLst>
+                                </p:cTn>
+                              </p:par>
+                              <p:par>
+                                <p:cTn id="19" presetID="1" presetClass="entr" presetSubtype="0" fill="hold" nodeType="withEffect">
+                                  <p:stCondLst>
+                                    <p:cond delay="0"/>
+                                  </p:stCondLst>
+                                  <p:childTnLst>
+                                    <p:set>
+                                      <p:cBhvr>
+                                        <p:cTn id="20" dur="1" fill="hold">
+                                          <p:stCondLst>
+                                            <p:cond delay="0"/>
+                                          </p:stCondLst>
+                                        </p:cTn>
+                                        <p:tgtEl>
+                                          <p:spTgt spid="3">
+                                            <p:txEl>
+                                              <p:pRg st="5" end="5"/>
+                                            </p:txEl>
+                                          </p:spTgt>
+                                        </p:tgtEl>
+                                        <p:attrNameLst>
+                                          <p:attrName>style.visibility</p:attrName>
+                                        </p:attrNameLst>
+                                      </p:cBhvr>
+                                      <p:to>
+                                        <p:strVal val="visible"/>
+                                      </p:to>
+                                    </p:set>
+                                  </p:childTnLst>
+                                </p:cTn>
+                              </p:par>
+                              <p:par>
+                                <p:cTn id="21" presetID="1" presetClass="entr" presetSubtype="0" fill="hold" nodeType="withEffect">
+                                  <p:stCondLst>
+                                    <p:cond delay="0"/>
+                                  </p:stCondLst>
+                                  <p:childTnLst>
+                                    <p:set>
+                                      <p:cBhvr>
+                                        <p:cTn id="22" dur="1" fill="hold">
+                                          <p:stCondLst>
+                                            <p:cond delay="0"/>
+                                          </p:stCondLst>
+                                        </p:cTn>
+                                        <p:tgtEl>
+                                          <p:spTgt spid="3">
+                                            <p:txEl>
+                                              <p:pRg st="6" end="6"/>
+                                            </p:txEl>
+                                          </p:spTgt>
+                                        </p:tgtEl>
+                                        <p:attrNameLst>
+                                          <p:attrName>style.visibility</p:attrName>
+                                        </p:attrNameLst>
+                                      </p:cBhvr>
+                                      <p:to>
+                                        <p:strVal val="visible"/>
+                                      </p:to>
+                                    </p:set>
+                                  </p:childTnLst>
+                                </p:cTn>
+                              </p:par>
+                            </p:childTnLst>
+                          </p:cTn>
+                        </p:par>
+                      </p:childTnLst>
+                    </p:cTn>
+                  </p:par>
+                  <p:par>
+                    <p:cTn id="23" fill="hold">
+                      <p:stCondLst>
+                        <p:cond delay="indefinite"/>
+                      </p:stCondLst>
+                      <p:childTnLst>
+                        <p:par>
+                          <p:cTn id="24" fill="hold">
+                            <p:stCondLst>
+                              <p:cond delay="0"/>
+                            </p:stCondLst>
+                            <p:childTnLst>
+                              <p:par>
+                                <p:cTn id="25" presetID="1" presetClass="entr" presetSubtype="0" fill="hold" nodeType="clickEffect">
+                                  <p:stCondLst>
+                                    <p:cond delay="0"/>
+                                  </p:stCondLst>
+                                  <p:childTnLst>
+                                    <p:set>
+                                      <p:cBhvr>
+                                        <p:cTn id="26" dur="1" fill="hold">
+                                          <p:stCondLst>
+                                            <p:cond delay="0"/>
+                                          </p:stCondLst>
+                                        </p:cTn>
+                                        <p:tgtEl>
+                                          <p:spTgt spid="3">
+                                            <p:txEl>
+                                              <p:pRg st="9" end="9"/>
+                                            </p:txEl>
+                                          </p:spTgt>
+                                        </p:tgtEl>
+                                        <p:attrNameLst>
+                                          <p:attrName>style.visibility</p:attrName>
+                                        </p:attrNameLst>
+                                      </p:cBhvr>
+                                      <p:to>
+                                        <p:strVal val="visible"/>
+                                      </p:to>
+                                    </p:set>
+                                  </p:childTnLst>
+                                </p:cTn>
+                              </p:par>
+                              <p:par>
+                                <p:cTn id="27" presetID="1" presetClass="entr" presetSubtype="0" fill="hold" nodeType="withEffect">
+                                  <p:stCondLst>
+                                    <p:cond delay="0"/>
+                                  </p:stCondLst>
+                                  <p:childTnLst>
+                                    <p:set>
+                                      <p:cBhvr>
+                                        <p:cTn id="28" dur="1" fill="hold">
+                                          <p:stCondLst>
+                                            <p:cond delay="0"/>
+                                          </p:stCondLst>
+                                        </p:cTn>
+                                        <p:tgtEl>
+                                          <p:spTgt spid="3">
+                                            <p:txEl>
+                                              <p:pRg st="10" end="10"/>
+                                            </p:txEl>
+                                          </p:spTgt>
+                                        </p:tgtEl>
+                                        <p:attrNameLst>
+                                          <p:attrName>style.visibility</p:attrName>
+                                        </p:attrNameLst>
+                                      </p:cBhvr>
+                                      <p:to>
+                                        <p:strVal val="visible"/>
+                                      </p:to>
+                                    </p:set>
+                                  </p:childTnLst>
+                                </p:cTn>
+                              </p:par>
+                              <p:par>
+                                <p:cTn id="29" presetID="1" presetClass="entr" presetSubtype="0" fill="hold" nodeType="withEffect">
+                                  <p:stCondLst>
+                                    <p:cond delay="0"/>
+                                  </p:stCondLst>
+                                  <p:childTnLst>
+                                    <p:set>
+                                      <p:cBhvr>
+                                        <p:cTn id="30" dur="1" fill="hold">
+                                          <p:stCondLst>
+                                            <p:cond delay="0"/>
+                                          </p:stCondLst>
+                                        </p:cTn>
+                                        <p:tgtEl>
+                                          <p:spTgt spid="3">
+                                            <p:txEl>
+                                              <p:pRg st="12" end="12"/>
+                                            </p:txEl>
+                                          </p:spTgt>
+                                        </p:tgtEl>
+                                        <p:attrNameLst>
+                                          <p:attrName>style.visibility</p:attrName>
+                                        </p:attrNameLst>
+                                      </p:cBhvr>
+                                      <p:to>
+                                        <p:strVal val="visible"/>
+                                      </p:to>
+                                    </p:set>
+                                  </p:childTnLst>
+                                </p:cTn>
+                              </p:par>
+                              <p:par>
+                                <p:cTn id="31" presetID="1" presetClass="entr" presetSubtype="0" fill="hold" nodeType="withEffect">
+                                  <p:stCondLst>
+                                    <p:cond delay="0"/>
+                                  </p:stCondLst>
+                                  <p:childTnLst>
+                                    <p:set>
+                                      <p:cBhvr>
+                                        <p:cTn id="32" dur="1" fill="hold">
+                                          <p:stCondLst>
+                                            <p:cond delay="0"/>
+                                          </p:stCondLst>
+                                        </p:cTn>
+                                        <p:tgtEl>
+                                          <p:spTgt spid="3">
+                                            <p:txEl>
+                                              <p:pRg st="13" end="13"/>
+                                            </p:txEl>
+                                          </p:spTgt>
+                                        </p:tgtEl>
+                                        <p:attrNameLst>
+                                          <p:attrName>style.visibility</p:attrName>
+                                        </p:attrNameLst>
+                                      </p:cBhvr>
+                                      <p:to>
+                                        <p:strVal val="visible"/>
+                                      </p:to>
+                                    </p:set>
+                                  </p:childTnLst>
+                                </p:cTn>
+                              </p:par>
+                            </p:childTnLst>
+                          </p:cTn>
+                        </p:par>
+                      </p:childTnLst>
+                    </p:cTn>
+                  </p:par>
+                  <p:par>
+                    <p:cTn id="33" fill="hold">
+                      <p:stCondLst>
+                        <p:cond delay="indefinite"/>
+                      </p:stCondLst>
+                      <p:childTnLst>
+                        <p:par>
+                          <p:cTn id="34" fill="hold">
+                            <p:stCondLst>
+                              <p:cond delay="0"/>
+                            </p:stCondLst>
+                            <p:childTnLst>
+                              <p:par>
+                                <p:cTn id="35" presetID="1" presetClass="entr" presetSubtype="0" fill="hold" nodeType="clickEffect">
+                                  <p:stCondLst>
+                                    <p:cond delay="0"/>
+                                  </p:stCondLst>
+                                  <p:childTnLst>
+                                    <p:set>
+                                      <p:cBhvr>
+                                        <p:cTn id="36" dur="1" fill="hold">
+                                          <p:stCondLst>
+                                            <p:cond delay="0"/>
+                                          </p:stCondLst>
+                                        </p:cTn>
+                                        <p:tgtEl>
+                                          <p:spTgt spid="3">
+                                            <p:txEl>
+                                              <p:pRg st="15" end="15"/>
+                                            </p:txEl>
+                                          </p:spTgt>
+                                        </p:tgtEl>
+                                        <p:attrNameLst>
+                                          <p:attrName>style.visibility</p:attrName>
+                                        </p:attrNameLst>
+                                      </p:cBhvr>
+                                      <p:to>
+                                        <p:strVal val="visible"/>
+                                      </p:to>
+                                    </p:set>
+                                  </p:childTnLst>
+                                </p:cTn>
+                              </p:par>
+                            </p:childTnLst>
+                          </p:cTn>
+                        </p:par>
+                      </p:childTnLst>
+                    </p:cTn>
+                  </p:par>
+                </p:childTnLst>
+              </p:cTn>
+              <p:prevCondLst>
+                <p:cond evt="onPrev" delay="0">
+                  <p:tgtEl>
+                    <p:sldTgt/>
+                  </p:tgtEl>
+                </p:cond>
+              </p:prevCondLst>
+              <p:nextCondLst>
+                <p:cond evt="onNext" delay="0">
+                  <p:tgtEl>
+                    <p:sldTgt/>
+                  </p:tgtEl>
+                </p:cond>
+              </p:nextCondLst>
+            </p:seq>
+          </p:childTnLst>
+        </p:cTn>
+      </p:par>
+    </p:tnLst>
+  </p:timing>
+</p:sld>
+</file>
+
+<file path=ppt/slides/slide4.xml><?xml version="1.0" encoding="utf-8"?>
+<p:sld xmlns:a="http://schemas.openxmlformats.org/drawingml/2006/main" xmlns:r="http://schemas.openxmlformats.org/officeDocument/2006/relationships" xmlns:p="http://schemas.openxmlformats.org/presentationml/2006/main">
+  <p:cSld>
+    <p:spTree>
+      <p:nvGrpSpPr>
+        <p:cNvPr id="1" name=""/>
+        <p:cNvGrpSpPr/>
+        <p:nvPr/>
+      </p:nvGrpSpPr>
+      <p:grpSpPr>
+        <a:xfrm>
+          <a:off x="0" y="0"/>
+          <a:ext cx="0" cy="0"/>
+          <a:chOff x="0" y="0"/>
+          <a:chExt cx="0" cy="0"/>
+        </a:xfrm>
+      </p:grpSpPr>
+      <p:sp>
+        <p:nvSpPr>
+          <p:cNvPr id="2" name="Title 1"/>
+          <p:cNvSpPr>
+            <a:spLocks noGrp="1"/>
+          </p:cNvSpPr>
+          <p:nvPr>
+            <p:ph type="title"/>
+          </p:nvPr>
+        </p:nvSpPr>
+        <p:spPr>
+          <a:xfrm>
+            <a:off x="838200" y="365126"/>
+            <a:ext cx="10515600" cy="1096122"/>
+          </a:xfrm>
+        </p:spPr>
+        <p:txBody>
+          <a:bodyPr>
+            <a:normAutofit/>
+          </a:bodyPr>
+          <a:lstStyle/>
+          <a:p>
+            <a:r>
+              <a:rPr lang="en-GB" dirty="0"/>
+              <a:t>Creating </a:t>
+            </a:r>
+            <a:r>
+              <a:rPr lang="en-GB" dirty="0" smtClean="0"/>
+              <a:t>Variables</a:t>
+            </a:r>
+            <a:endParaRPr lang="en-GB" b="1" dirty="0"/>
+          </a:p>
+        </p:txBody>
+      </p:sp>
+      <p:sp>
+        <p:nvSpPr>
+          <p:cNvPr id="3" name="Content Placeholder 2"/>
+          <p:cNvSpPr>
+            <a:spLocks noGrp="1"/>
+          </p:cNvSpPr>
+          <p:nvPr>
+            <p:ph idx="1"/>
+          </p:nvPr>
+        </p:nvSpPr>
+        <p:spPr>
+          <a:xfrm>
+            <a:off x="838200" y="1671287"/>
+            <a:ext cx="10515600" cy="4351338"/>
+          </a:xfrm>
+        </p:spPr>
+        <p:txBody>
+          <a:bodyPr>
+            <a:normAutofit/>
+          </a:bodyPr>
+          <a:lstStyle/>
+          <a:p>
+            <a:pPr eaLnBrk="0" fontAlgn="base" hangingPunct="0">
+              <a:lnSpc>
+                <a:spcPct val="100000"/>
+              </a:lnSpc>
+              <a:spcBef>
+                <a:spcPct val="0"/>
+              </a:spcBef>
+              <a:spcAft>
+                <a:spcPct val="0"/>
+              </a:spcAft>
+            </a:pPr>
+            <a:r>
+              <a:rPr lang="en-US" sz="1800" dirty="0" smtClean="0"/>
+              <a:t>Variables </a:t>
+            </a:r>
+            <a:r>
+              <a:rPr lang="en-US" sz="1800" dirty="0"/>
+              <a:t>can store not just simple data types (like numbers or strings) but also </a:t>
+            </a:r>
+            <a:r>
+              <a:rPr lang="en-US" sz="1800" b="1" dirty="0"/>
+              <a:t>objects</a:t>
+            </a:r>
+            <a:r>
+              <a:rPr lang="en-US" sz="1800" dirty="0" smtClean="0"/>
+              <a:t>.</a:t>
+            </a:r>
+            <a:endParaRPr lang="en-US" sz="1800" dirty="0"/>
+          </a:p>
+          <a:p>
+            <a:pPr eaLnBrk="0" fontAlgn="base" hangingPunct="0">
+              <a:lnSpc>
+                <a:spcPct val="100000"/>
+              </a:lnSpc>
+              <a:spcBef>
+                <a:spcPct val="0"/>
+              </a:spcBef>
+              <a:spcAft>
+                <a:spcPct val="0"/>
+              </a:spcAft>
+            </a:pPr>
+            <a:r>
+              <a:rPr lang="en-US" sz="1800" dirty="0"/>
+              <a:t>C</a:t>
+            </a:r>
+            <a:r>
+              <a:rPr lang="en-US" sz="1800" dirty="0"/>
+              <a:t>an </a:t>
+            </a:r>
+            <a:r>
+              <a:rPr lang="en-US" sz="1800" dirty="0"/>
+              <a:t>access all the properties and methods of that object</a:t>
+            </a:r>
+          </a:p>
+          <a:p>
+            <a:pPr eaLnBrk="0" fontAlgn="base" hangingPunct="0">
+              <a:lnSpc>
+                <a:spcPct val="100000"/>
+              </a:lnSpc>
+              <a:spcBef>
+                <a:spcPct val="0"/>
+              </a:spcBef>
+              <a:spcAft>
+                <a:spcPct val="0"/>
+              </a:spcAft>
+            </a:pPr>
+            <a:endParaRPr lang="en-US" sz="2400" dirty="0" smtClean="0"/>
+          </a:p>
+          <a:p>
+            <a:pPr eaLnBrk="0" fontAlgn="base" hangingPunct="0">
+              <a:lnSpc>
+                <a:spcPct val="100000"/>
+              </a:lnSpc>
+              <a:spcBef>
+                <a:spcPct val="0"/>
+              </a:spcBef>
+              <a:spcAft>
+                <a:spcPct val="0"/>
+              </a:spcAft>
+            </a:pPr>
+            <a:r>
+              <a:rPr lang="en-US" sz="2400" dirty="0" smtClean="0"/>
+              <a:t>Examples:</a:t>
+            </a:r>
+          </a:p>
+          <a:p>
+            <a:pPr marL="457200" lvl="1" indent="0" eaLnBrk="0" fontAlgn="base" hangingPunct="0">
+              <a:lnSpc>
+                <a:spcPct val="100000"/>
+              </a:lnSpc>
+              <a:spcBef>
+                <a:spcPct val="0"/>
+              </a:spcBef>
+              <a:spcAft>
+                <a:spcPct val="0"/>
+              </a:spcAft>
+              <a:buNone/>
+            </a:pPr>
+            <a:r>
+              <a:rPr lang="en-GB" sz="1600" dirty="0" smtClean="0"/>
+              <a:t>$</a:t>
+            </a:r>
+            <a:r>
+              <a:rPr lang="en-GB" sz="1600" dirty="0"/>
+              <a:t>service = Get-Service -Name </a:t>
+            </a:r>
+            <a:r>
+              <a:rPr lang="en-GB" sz="1600" dirty="0" smtClean="0"/>
+              <a:t>Spooler</a:t>
+            </a:r>
+          </a:p>
+          <a:p>
+            <a:pPr marL="457200" lvl="1" indent="0" eaLnBrk="0" fontAlgn="base" hangingPunct="0">
+              <a:lnSpc>
+                <a:spcPct val="100000"/>
+              </a:lnSpc>
+              <a:spcBef>
+                <a:spcPct val="0"/>
+              </a:spcBef>
+              <a:spcAft>
+                <a:spcPct val="0"/>
+              </a:spcAft>
+              <a:buNone/>
+            </a:pPr>
+            <a:endParaRPr lang="en-US" sz="1600" dirty="0"/>
+          </a:p>
+          <a:p>
+            <a:pPr marL="457200" lvl="1" indent="0" eaLnBrk="0" fontAlgn="base" hangingPunct="0">
+              <a:lnSpc>
+                <a:spcPct val="100000"/>
+              </a:lnSpc>
+              <a:spcBef>
+                <a:spcPct val="0"/>
+              </a:spcBef>
+              <a:spcAft>
+                <a:spcPct val="0"/>
+              </a:spcAft>
+              <a:buNone/>
+            </a:pPr>
+            <a:r>
+              <a:rPr lang="en-US" sz="1600" dirty="0" smtClean="0"/>
+              <a:t>Now access </a:t>
+            </a:r>
+            <a:r>
+              <a:rPr lang="en-US" sz="1600" dirty="0"/>
+              <a:t>the service's properties, such as </a:t>
+            </a:r>
+            <a:r>
+              <a:rPr lang="en-US" sz="1600" dirty="0" smtClean="0"/>
+              <a:t>its </a:t>
+            </a:r>
+            <a:r>
+              <a:rPr lang="en-US" sz="1600" dirty="0"/>
+              <a:t>name, or display </a:t>
+            </a:r>
+            <a:r>
+              <a:rPr lang="en-US" sz="1600" dirty="0" smtClean="0"/>
+              <a:t>name, </a:t>
+            </a:r>
+            <a:r>
+              <a:rPr lang="en-US" sz="1600" dirty="0"/>
+              <a:t>status</a:t>
+            </a:r>
+            <a:r>
+              <a:rPr lang="en-US" sz="1600" dirty="0" smtClean="0"/>
+              <a:t> and etc..</a:t>
+            </a:r>
+            <a:endParaRPr lang="en-GB" sz="1600" dirty="0" smtClean="0"/>
+          </a:p>
+        </p:txBody>
+      </p:sp>
+      <p:cxnSp>
+        <p:nvCxnSpPr>
+          <p:cNvPr id="4" name="Straight Connector 3"/>
+          <p:cNvCxnSpPr/>
+          <p:nvPr/>
+        </p:nvCxnSpPr>
+        <p:spPr>
+          <a:xfrm>
+            <a:off x="838200" y="1566266"/>
+            <a:ext cx="10422924" cy="1"/>
+          </a:xfrm>
+          <a:prstGeom prst="line">
+            <a:avLst/>
+          </a:prstGeom>
+          <a:ln w="38100"/>
+        </p:spPr>
+        <p:style>
+          <a:lnRef idx="1">
+            <a:schemeClr val="accent1"/>
+          </a:lnRef>
+          <a:fillRef idx="0">
+            <a:schemeClr val="accent1"/>
+          </a:fillRef>
+          <a:effectRef idx="0">
+            <a:schemeClr val="accent1"/>
+          </a:effectRef>
+          <a:fontRef idx="minor">
+            <a:schemeClr val="tx1"/>
+          </a:fontRef>
+        </p:style>
+      </p:cxnSp>
+    </p:spTree>
+    <p:extLst>
+      <p:ext uri="{BB962C8B-B14F-4D97-AF65-F5344CB8AC3E}">
+        <p14:creationId xmlns:p14="http://schemas.microsoft.com/office/powerpoint/2010/main" val="2957052117"/>
+      </p:ext>
+    </p:extLst>
+  </p:cSld>
+  <p:clrMapOvr>
+    <a:masterClrMapping/>
+  </p:clrMapOvr>
+  <mc:AlternateContent xmlns:mc="http://schemas.openxmlformats.org/markup-compatibility/2006" xmlns:p14="http://schemas.microsoft.com/office/powerpoint/2010/main">
+    <mc:Choice Requires="p14">
+      <p:transition p14:dur="0"/>
+    </mc:Choice>
+    <mc:Fallback xmlns="">
+      <p:transition/>
+    </mc:Fallback>
+  </mc:AlternateContent>
+  <p:timing>
+    <p:tnLst>
+      <p:par>
+        <p:cTn id="1" dur="indefinite" restart="never" nodeType="tmRoot"/>
+      </p:par>
+    </p:tnLst>
+  </p:timing>
+</p:sld>
+</file>
+
+<file path=ppt/slides/slide5.xml><?xml version="1.0" encoding="utf-8"?>
+<p:sld xmlns:a="http://schemas.openxmlformats.org/drawingml/2006/main" xmlns:r="http://schemas.openxmlformats.org/officeDocument/2006/relationships" xmlns:p="http://schemas.openxmlformats.org/presentationml/2006/main">
+  <p:cSld>
+    <p:spTree>
+      <p:nvGrpSpPr>
+        <p:cNvPr id="1" name=""/>
+        <p:cNvGrpSpPr/>
+        <p:nvPr/>
+      </p:nvGrpSpPr>
+      <p:grpSpPr>
+        <a:xfrm>
+          <a:off x="0" y="0"/>
+          <a:ext cx="0" cy="0"/>
+          <a:chOff x="0" y="0"/>
+          <a:chExt cx="0" cy="0"/>
+        </a:xfrm>
+      </p:grpSpPr>
+      <p:sp>
+        <p:nvSpPr>
+          <p:cNvPr id="2" name="Title 1"/>
+          <p:cNvSpPr>
+            <a:spLocks noGrp="1"/>
+          </p:cNvSpPr>
+          <p:nvPr>
+            <p:ph type="title"/>
+          </p:nvPr>
+        </p:nvSpPr>
+        <p:spPr>
+          <a:xfrm>
+            <a:off x="838200" y="365126"/>
+            <a:ext cx="10515600" cy="1096122"/>
+          </a:xfrm>
+        </p:spPr>
+        <p:txBody>
+          <a:bodyPr>
+            <a:normAutofit/>
+          </a:bodyPr>
+          <a:lstStyle/>
+          <a:p>
+            <a:r>
+              <a:rPr lang="en-GB" b="1" dirty="0"/>
+              <a:t>Variables with Objects</a:t>
+            </a:r>
+            <a:endParaRPr lang="en-GB" dirty="0"/>
+          </a:p>
+        </p:txBody>
+      </p:sp>
+      <p:sp>
+        <p:nvSpPr>
+          <p:cNvPr id="3" name="Content Placeholder 2"/>
+          <p:cNvSpPr>
+            <a:spLocks noGrp="1"/>
+          </p:cNvSpPr>
+          <p:nvPr>
+            <p:ph idx="1"/>
+          </p:nvPr>
+        </p:nvSpPr>
+        <p:spPr>
+          <a:xfrm>
+            <a:off x="838200" y="1671287"/>
+            <a:ext cx="10515600" cy="4351338"/>
+          </a:xfrm>
+        </p:spPr>
+        <p:txBody>
+          <a:bodyPr>
+            <a:normAutofit/>
+          </a:bodyPr>
+          <a:lstStyle/>
+          <a:p>
+            <a:pPr eaLnBrk="0" fontAlgn="base" hangingPunct="0">
+              <a:lnSpc>
+                <a:spcPct val="100000"/>
+              </a:lnSpc>
+              <a:spcBef>
+                <a:spcPct val="0"/>
+              </a:spcBef>
+              <a:spcAft>
+                <a:spcPct val="0"/>
+              </a:spcAft>
+            </a:pPr>
+            <a:r>
+              <a:rPr lang="en-US" sz="1800" dirty="0"/>
+              <a:t>Must start with $ followed by a valid name (e.g., $name, $age</a:t>
+            </a:r>
+            <a:r>
+              <a:rPr lang="en-US" sz="1800" dirty="0" smtClean="0"/>
+              <a:t>).</a:t>
+            </a:r>
+          </a:p>
+          <a:p>
+            <a:pPr eaLnBrk="0" fontAlgn="base" hangingPunct="0">
+              <a:lnSpc>
+                <a:spcPct val="100000"/>
+              </a:lnSpc>
+              <a:spcBef>
+                <a:spcPct val="0"/>
+              </a:spcBef>
+              <a:spcAft>
+                <a:spcPct val="0"/>
+              </a:spcAft>
+            </a:pPr>
+            <a:r>
+              <a:rPr lang="en-US" sz="1800" dirty="0" smtClean="0"/>
+              <a:t>Don’t </a:t>
+            </a:r>
+            <a:r>
+              <a:rPr lang="en-US" sz="1800" dirty="0"/>
+              <a:t>need to declare a variable </a:t>
+            </a:r>
+            <a:r>
+              <a:rPr lang="en-US" sz="1800" dirty="0" smtClean="0"/>
+              <a:t>type</a:t>
+            </a:r>
+          </a:p>
+          <a:p>
+            <a:pPr eaLnBrk="0" fontAlgn="base" hangingPunct="0">
+              <a:lnSpc>
+                <a:spcPct val="100000"/>
+              </a:lnSpc>
+              <a:spcBef>
+                <a:spcPct val="0"/>
+              </a:spcBef>
+              <a:spcAft>
+                <a:spcPct val="0"/>
+              </a:spcAft>
+            </a:pPr>
+            <a:r>
+              <a:rPr lang="en-US" sz="1800" dirty="0"/>
+              <a:t>Can contain letters, numbers, and underscores.</a:t>
+            </a:r>
+          </a:p>
+          <a:p>
+            <a:pPr eaLnBrk="0" fontAlgn="base" hangingPunct="0">
+              <a:lnSpc>
+                <a:spcPct val="100000"/>
+              </a:lnSpc>
+              <a:spcBef>
+                <a:spcPct val="0"/>
+              </a:spcBef>
+              <a:spcAft>
+                <a:spcPct val="0"/>
+              </a:spcAft>
+            </a:pPr>
+            <a:r>
+              <a:rPr lang="en-US" sz="1800" dirty="0"/>
+              <a:t>Cannot start with a number (e.g., $1name is invalid</a:t>
+            </a:r>
+            <a:r>
+              <a:rPr lang="en-US" sz="1800" dirty="0" smtClean="0"/>
+              <a:t>).</a:t>
+            </a:r>
+          </a:p>
+          <a:p>
+            <a:pPr eaLnBrk="0" fontAlgn="base" hangingPunct="0">
+              <a:lnSpc>
+                <a:spcPct val="100000"/>
+              </a:lnSpc>
+              <a:spcBef>
+                <a:spcPct val="0"/>
+              </a:spcBef>
+              <a:spcAft>
+                <a:spcPct val="0"/>
+              </a:spcAft>
+            </a:pPr>
+            <a:r>
+              <a:rPr lang="en-US" sz="1800" dirty="0" smtClean="0"/>
+              <a:t>Case in-sensitive by default.</a:t>
+            </a:r>
+            <a:endParaRPr lang="en-US" sz="1800" dirty="0"/>
+          </a:p>
+          <a:p>
+            <a:pPr eaLnBrk="0" fontAlgn="base" hangingPunct="0">
+              <a:lnSpc>
+                <a:spcPct val="100000"/>
+              </a:lnSpc>
+              <a:spcBef>
+                <a:spcPct val="0"/>
+              </a:spcBef>
+              <a:spcAft>
+                <a:spcPct val="0"/>
+              </a:spcAft>
+            </a:pPr>
+            <a:endParaRPr lang="en-GB" sz="2400" dirty="0" smtClean="0"/>
+          </a:p>
+          <a:p>
+            <a:pPr marL="0" indent="0" eaLnBrk="0" fontAlgn="base" hangingPunct="0">
+              <a:lnSpc>
+                <a:spcPct val="100000"/>
+              </a:lnSpc>
+              <a:spcBef>
+                <a:spcPct val="0"/>
+              </a:spcBef>
+              <a:spcAft>
+                <a:spcPct val="0"/>
+              </a:spcAft>
+              <a:buNone/>
+            </a:pPr>
+            <a:r>
+              <a:rPr lang="en-US" sz="1800" b="1" dirty="0"/>
+              <a:t>Best Practices</a:t>
+            </a:r>
+            <a:r>
+              <a:rPr lang="en-US" sz="1800" b="1" dirty="0" smtClean="0"/>
+              <a:t>:</a:t>
+            </a:r>
+            <a:endParaRPr lang="en-US" sz="1800" b="1" dirty="0"/>
+          </a:p>
+          <a:p>
+            <a:pPr eaLnBrk="0" fontAlgn="base" hangingPunct="0">
+              <a:lnSpc>
+                <a:spcPct val="100000"/>
+              </a:lnSpc>
+              <a:spcBef>
+                <a:spcPct val="0"/>
+              </a:spcBef>
+              <a:spcAft>
+                <a:spcPct val="0"/>
+              </a:spcAft>
+            </a:pPr>
+            <a:r>
+              <a:rPr lang="en-US" sz="1800" dirty="0"/>
+              <a:t>Use meaningful names (e.g., $username, $</a:t>
+            </a:r>
+            <a:r>
+              <a:rPr lang="en-US" sz="1800" dirty="0" err="1"/>
+              <a:t>filePath</a:t>
+            </a:r>
+            <a:r>
+              <a:rPr lang="en-US" sz="1800" dirty="0"/>
+              <a:t>).</a:t>
+            </a:r>
+          </a:p>
+          <a:p>
+            <a:pPr eaLnBrk="0" fontAlgn="base" hangingPunct="0">
+              <a:lnSpc>
+                <a:spcPct val="100000"/>
+              </a:lnSpc>
+              <a:spcBef>
+                <a:spcPct val="0"/>
+              </a:spcBef>
+              <a:spcAft>
+                <a:spcPct val="0"/>
+              </a:spcAft>
+            </a:pPr>
+            <a:r>
+              <a:rPr lang="en-US" sz="1800" dirty="0"/>
+              <a:t>Keep it simple and readable.</a:t>
+            </a:r>
+            <a:endParaRPr lang="en-US" sz="1800" dirty="0" smtClean="0"/>
+          </a:p>
+        </p:txBody>
+      </p:sp>
+      <p:cxnSp>
+        <p:nvCxnSpPr>
+          <p:cNvPr id="4" name="Straight Connector 3"/>
+          <p:cNvCxnSpPr/>
+          <p:nvPr/>
+        </p:nvCxnSpPr>
+        <p:spPr>
+          <a:xfrm>
+            <a:off x="838200" y="1566266"/>
+            <a:ext cx="10422924" cy="1"/>
+          </a:xfrm>
+          <a:prstGeom prst="line">
+            <a:avLst/>
+          </a:prstGeom>
+          <a:ln w="38100"/>
+        </p:spPr>
+        <p:style>
+          <a:lnRef idx="1">
+            <a:schemeClr val="accent1"/>
+          </a:lnRef>
+          <a:fillRef idx="0">
+            <a:schemeClr val="accent1"/>
+          </a:fillRef>
+          <a:effectRef idx="0">
+            <a:schemeClr val="accent1"/>
+          </a:effectRef>
+          <a:fontRef idx="minor">
+            <a:schemeClr val="tx1"/>
+          </a:fontRef>
+        </p:style>
+      </p:cxnSp>
+    </p:spTree>
+    <p:extLst>
+      <p:ext uri="{BB962C8B-B14F-4D97-AF65-F5344CB8AC3E}">
+        <p14:creationId xmlns:p14="http://schemas.microsoft.com/office/powerpoint/2010/main" val="1178922391"/>
+      </p:ext>
+    </p:extLst>
+  </p:cSld>
+  <p:clrMapOvr>
+    <a:masterClrMapping/>
+  </p:clrMapOvr>
+  <mc:AlternateContent xmlns:mc="http://schemas.openxmlformats.org/markup-compatibility/2006" xmlns:p14="http://schemas.microsoft.com/office/powerpoint/2010/main">
+    <mc:Choice Requires="p14">
+      <p:transition p14:dur="0"/>
+    </mc:Choice>
+    <mc:Fallback xmlns="">
+      <p:transition/>
+    </mc:Fallback>
+  </mc:AlternateContent>
+  <p:timing>
+    <p:tnLst>
+      <p:par>
+        <p:cTn id="1" dur="indefinite" restart="never" nodeType="tmRoot"/>
+      </p:par>
+    </p:tnLst>
+  </p:timing>
+</p:sld>
+</file>
+
+<file path=ppt/slides/slide6.xml><?xml version="1.0" encoding="utf-8"?>
+<p:sld xmlns:a="http://schemas.openxmlformats.org/drawingml/2006/main" xmlns:r="http://schemas.openxmlformats.org/officeDocument/2006/relationships" xmlns:p="http://schemas.openxmlformats.org/presentationml/2006/main">
+  <p:cSld>
+    <p:spTree>
+      <p:nvGrpSpPr>
+        <p:cNvPr id="1" name=""/>
+        <p:cNvGrpSpPr/>
+        <p:nvPr/>
+      </p:nvGrpSpPr>
+      <p:grpSpPr>
+        <a:xfrm>
+          <a:off x="0" y="0"/>
+          <a:ext cx="0" cy="0"/>
+          <a:chOff x="0" y="0"/>
+          <a:chExt cx="0" cy="0"/>
+        </a:xfrm>
+      </p:grpSpPr>
+      <p:sp>
+        <p:nvSpPr>
+          <p:cNvPr id="2" name="Title 1"/>
+          <p:cNvSpPr>
+            <a:spLocks noGrp="1"/>
+          </p:cNvSpPr>
+          <p:nvPr>
+            <p:ph type="title"/>
+          </p:nvPr>
+        </p:nvSpPr>
+        <p:spPr>
+          <a:xfrm>
             <a:off x="838200" y="216844"/>
             <a:ext cx="10515600" cy="1241253"/>
           </a:xfrm>
@@ -3939,7 +5279,6 @@
               <a:rPr lang="en-GB" dirty="0"/>
               <a:t>Variable Scope</a:t>
             </a:r>
-            <a:endParaRPr lang="en-GB" dirty="0"/>
           </a:p>
         </p:txBody>
       </p:sp>
@@ -4222,7 +5561,7 @@
 </p:sld>
 </file>
 
-<file path=ppt/slides/slide4.xml><?xml version="1.0" encoding="utf-8"?>
+<file path=ppt/slides/slide7.xml><?xml version="1.0" encoding="utf-8"?>
 <p:sld xmlns:a="http://schemas.openxmlformats.org/drawingml/2006/main" xmlns:r="http://schemas.openxmlformats.org/officeDocument/2006/relationships" xmlns:p="http://schemas.openxmlformats.org/presentationml/2006/main">
   <p:cSld>
     <p:spTree>
@@ -4359,7 +5698,7 @@
 </p:sld>
 </file>
 
-<file path=ppt/slides/slide5.xml><?xml version="1.0" encoding="utf-8"?>
+<file path=ppt/slides/slide8.xml><?xml version="1.0" encoding="utf-8"?>
 <p:sld xmlns:a="http://schemas.openxmlformats.org/drawingml/2006/main" xmlns:r="http://schemas.openxmlformats.org/officeDocument/2006/relationships" xmlns:p="http://schemas.openxmlformats.org/presentationml/2006/main">
   <p:cSld>
     <p:spTree>

--- a/PowerShell/Day6/PowerShell.pptx
+++ b/PowerShell/Day6/PowerShell.pptx
@@ -3745,7 +3745,6 @@
               <a:rPr lang="en-US" sz="1800" dirty="0"/>
               <a:t>)</a:t>
             </a:r>
-            <a:endParaRPr lang="en-US" sz="1800" dirty="0"/>
           </a:p>
           <a:p>
             <a:pPr eaLnBrk="0" fontAlgn="base" hangingPunct="0">
@@ -4740,15 +4739,7 @@
             </a:pPr>
             <a:r>
               <a:rPr lang="en-US" sz="1800" dirty="0"/>
-              <a:t>C</a:t>
-            </a:r>
-            <a:r>
-              <a:rPr lang="en-US" sz="1800" dirty="0"/>
-              <a:t>an </a:t>
-            </a:r>
-            <a:r>
-              <a:rPr lang="en-US" sz="1800" dirty="0"/>
-              <a:t>access all the properties and methods of that object</a:t>
+              <a:t>Can access all the properties and methods of that object</a:t>
             </a:r>
           </a:p>
           <a:p>
@@ -5653,7 +5644,19 @@
           <a:p>
             <a:r>
               <a:rPr lang="en-US" sz="3200" dirty="0"/>
-              <a:t>Declare an array of fruits and use a loop to display each fruit</a:t>
+              <a:t>Declare an array </a:t>
+            </a:r>
+            <a:r>
+              <a:rPr lang="en-US" sz="3200" dirty="0" smtClean="0"/>
+              <a:t>and </a:t>
+            </a:r>
+            <a:r>
+              <a:rPr lang="en-US" sz="3200" dirty="0"/>
+              <a:t>use a loop to display </a:t>
+            </a:r>
+            <a:r>
+              <a:rPr lang="en-US" sz="3200" dirty="0" smtClean="0"/>
+              <a:t>each item</a:t>
             </a:r>
             <a:endParaRPr lang="en-GB" sz="3200" dirty="0" smtClean="0"/>
           </a:p>
